--- a/pics/2021-04-30-direction_fields/pics.pptx
+++ b/pics/2021-04-30-direction_fields/pics.pptx
@@ -5,10 +5,11 @@
     <p:sldMasterId id="2147483648" r:id="rId1"/>
   </p:sldMasterIdLst>
   <p:sldIdLst>
-    <p:sldId id="256" r:id="rId2"/>
-    <p:sldId id="258" r:id="rId3"/>
-    <p:sldId id="257" r:id="rId4"/>
-    <p:sldId id="259" r:id="rId5"/>
+    <p:sldId id="260" r:id="rId2"/>
+    <p:sldId id="256" r:id="rId3"/>
+    <p:sldId id="258" r:id="rId4"/>
+    <p:sldId id="257" r:id="rId5"/>
+    <p:sldId id="259" r:id="rId6"/>
   </p:sldIdLst>
   <p:sldSz cx="9144000" cy="6858000" type="screen4x3"/>
   <p:notesSz cx="6858000" cy="9144000"/>
@@ -291,7 +292,7 @@
           <a:p>
             <a:fld id="{5723A304-CB7A-42C3-B630-651FE9F92397}" type="datetimeFigureOut">
               <a:rPr lang="ko-KR" altLang="en-US" smtClean="0"/>
-              <a:t>2021-04-29</a:t>
+              <a:t>2021-05-06</a:t>
             </a:fld>
             <a:endParaRPr lang="ko-KR" altLang="en-US"/>
           </a:p>
@@ -461,7 +462,7 @@
           <a:p>
             <a:fld id="{5723A304-CB7A-42C3-B630-651FE9F92397}" type="datetimeFigureOut">
               <a:rPr lang="ko-KR" altLang="en-US" smtClean="0"/>
-              <a:t>2021-04-29</a:t>
+              <a:t>2021-05-06</a:t>
             </a:fld>
             <a:endParaRPr lang="ko-KR" altLang="en-US"/>
           </a:p>
@@ -641,7 +642,7 @@
           <a:p>
             <a:fld id="{5723A304-CB7A-42C3-B630-651FE9F92397}" type="datetimeFigureOut">
               <a:rPr lang="ko-KR" altLang="en-US" smtClean="0"/>
-              <a:t>2021-04-29</a:t>
+              <a:t>2021-05-06</a:t>
             </a:fld>
             <a:endParaRPr lang="ko-KR" altLang="en-US"/>
           </a:p>
@@ -811,7 +812,7 @@
           <a:p>
             <a:fld id="{5723A304-CB7A-42C3-B630-651FE9F92397}" type="datetimeFigureOut">
               <a:rPr lang="ko-KR" altLang="en-US" smtClean="0"/>
-              <a:t>2021-04-29</a:t>
+              <a:t>2021-05-06</a:t>
             </a:fld>
             <a:endParaRPr lang="ko-KR" altLang="en-US"/>
           </a:p>
@@ -1057,7 +1058,7 @@
           <a:p>
             <a:fld id="{5723A304-CB7A-42C3-B630-651FE9F92397}" type="datetimeFigureOut">
               <a:rPr lang="ko-KR" altLang="en-US" smtClean="0"/>
-              <a:t>2021-04-29</a:t>
+              <a:t>2021-05-06</a:t>
             </a:fld>
             <a:endParaRPr lang="ko-KR" altLang="en-US"/>
           </a:p>
@@ -1345,7 +1346,7 @@
           <a:p>
             <a:fld id="{5723A304-CB7A-42C3-B630-651FE9F92397}" type="datetimeFigureOut">
               <a:rPr lang="ko-KR" altLang="en-US" smtClean="0"/>
-              <a:t>2021-04-29</a:t>
+              <a:t>2021-05-06</a:t>
             </a:fld>
             <a:endParaRPr lang="ko-KR" altLang="en-US"/>
           </a:p>
@@ -1767,7 +1768,7 @@
           <a:p>
             <a:fld id="{5723A304-CB7A-42C3-B630-651FE9F92397}" type="datetimeFigureOut">
               <a:rPr lang="ko-KR" altLang="en-US" smtClean="0"/>
-              <a:t>2021-04-29</a:t>
+              <a:t>2021-05-06</a:t>
             </a:fld>
             <a:endParaRPr lang="ko-KR" altLang="en-US"/>
           </a:p>
@@ -1885,7 +1886,7 @@
           <a:p>
             <a:fld id="{5723A304-CB7A-42C3-B630-651FE9F92397}" type="datetimeFigureOut">
               <a:rPr lang="ko-KR" altLang="en-US" smtClean="0"/>
-              <a:t>2021-04-29</a:t>
+              <a:t>2021-05-06</a:t>
             </a:fld>
             <a:endParaRPr lang="ko-KR" altLang="en-US"/>
           </a:p>
@@ -1980,7 +1981,7 @@
           <a:p>
             <a:fld id="{5723A304-CB7A-42C3-B630-651FE9F92397}" type="datetimeFigureOut">
               <a:rPr lang="ko-KR" altLang="en-US" smtClean="0"/>
-              <a:t>2021-04-29</a:t>
+              <a:t>2021-05-06</a:t>
             </a:fld>
             <a:endParaRPr lang="ko-KR" altLang="en-US"/>
           </a:p>
@@ -2257,7 +2258,7 @@
           <a:p>
             <a:fld id="{5723A304-CB7A-42C3-B630-651FE9F92397}" type="datetimeFigureOut">
               <a:rPr lang="ko-KR" altLang="en-US" smtClean="0"/>
-              <a:t>2021-04-29</a:t>
+              <a:t>2021-05-06</a:t>
             </a:fld>
             <a:endParaRPr lang="ko-KR" altLang="en-US"/>
           </a:p>
@@ -2510,7 +2511,7 @@
           <a:p>
             <a:fld id="{5723A304-CB7A-42C3-B630-651FE9F92397}" type="datetimeFigureOut">
               <a:rPr lang="ko-KR" altLang="en-US" smtClean="0"/>
-              <a:t>2021-04-29</a:t>
+              <a:t>2021-05-06</a:t>
             </a:fld>
             <a:endParaRPr lang="ko-KR" altLang="en-US"/>
           </a:p>
@@ -2723,7 +2724,7 @@
           <a:p>
             <a:fld id="{5723A304-CB7A-42C3-B630-651FE9F92397}" type="datetimeFigureOut">
               <a:rPr lang="ko-KR" altLang="en-US" smtClean="0"/>
-              <a:t>2021-04-29</a:t>
+              <a:t>2021-05-06</a:t>
             </a:fld>
             <a:endParaRPr lang="ko-KR" altLang="en-US"/>
           </a:p>
@@ -3100,6 +3101,100 @@
       </p:grpSpPr>
       <p:pic>
         <p:nvPicPr>
+          <p:cNvPr id="1026" name="Picture 2"/>
+          <p:cNvPicPr>
+            <a:picLocks noChangeAspect="1" noChangeArrowheads="1"/>
+          </p:cNvPicPr>
+          <p:nvPr/>
+        </p:nvPicPr>
+        <p:blipFill>
+          <a:blip r:embed="rId2">
+            <a:extLst>
+              <a:ext uri="{28A0092B-C50C-407E-A947-70E740481C1C}">
+                <a14:useLocalDpi xmlns:a14="http://schemas.microsoft.com/office/drawing/2010/main" val="0"/>
+              </a:ext>
+            </a:extLst>
+          </a:blip>
+          <a:srcRect/>
+          <a:stretch>
+            <a:fillRect/>
+          </a:stretch>
+        </p:blipFill>
+        <p:spPr bwMode="auto">
+          <a:xfrm>
+            <a:off x="1614488" y="1147763"/>
+            <a:ext cx="5915025" cy="4562475"/>
+          </a:xfrm>
+          <a:prstGeom prst="rect">
+            <a:avLst/>
+          </a:prstGeom>
+          <a:noFill/>
+          <a:ln>
+            <a:noFill/>
+          </a:ln>
+          <a:effectLst/>
+          <a:extLst>
+            <a:ext uri="{909E8E84-426E-40DD-AFC4-6F175D3DCCD1}">
+              <a14:hiddenFill xmlns:a14="http://schemas.microsoft.com/office/drawing/2010/main">
+                <a:solidFill>
+                  <a:schemeClr val="accent1"/>
+                </a:solidFill>
+              </a14:hiddenFill>
+            </a:ext>
+            <a:ext uri="{91240B29-F687-4F45-9708-019B960494DF}">
+              <a14:hiddenLine xmlns:a14="http://schemas.microsoft.com/office/drawing/2010/main" w="9525">
+                <a:solidFill>
+                  <a:schemeClr val="tx1"/>
+                </a:solidFill>
+                <a:miter lim="800000"/>
+                <a:headEnd/>
+                <a:tailEnd/>
+              </a14:hiddenLine>
+            </a:ext>
+            <a:ext uri="{AF507438-7753-43E0-B8FC-AC1667EBCBE1}">
+              <a14:hiddenEffects xmlns:a14="http://schemas.microsoft.com/office/drawing/2010/main">
+                <a:effectLst>
+                  <a:outerShdw dist="35921" dir="2700000" algn="ctr" rotWithShape="0">
+                    <a:schemeClr val="bg2"/>
+                  </a:outerShdw>
+                </a:effectLst>
+              </a14:hiddenEffects>
+            </a:ext>
+          </a:extLst>
+        </p:spPr>
+      </p:pic>
+    </p:spTree>
+    <p:extLst>
+      <p:ext uri="{BB962C8B-B14F-4D97-AF65-F5344CB8AC3E}">
+        <p14:creationId xmlns:p14="http://schemas.microsoft.com/office/powerpoint/2010/main" val="879584829"/>
+      </p:ext>
+    </p:extLst>
+  </p:cSld>
+  <p:clrMapOvr>
+    <a:masterClrMapping/>
+  </p:clrMapOvr>
+</p:sld>
+</file>
+
+<file path=ppt/slides/slide2.xml><?xml version="1.0" encoding="utf-8"?>
+<p:sld xmlns:a="http://schemas.openxmlformats.org/drawingml/2006/main" xmlns:r="http://schemas.openxmlformats.org/officeDocument/2006/relationships" xmlns:p="http://schemas.openxmlformats.org/presentationml/2006/main">
+  <p:cSld>
+    <p:spTree>
+      <p:nvGrpSpPr>
+        <p:cNvPr id="1" name=""/>
+        <p:cNvGrpSpPr/>
+        <p:nvPr/>
+      </p:nvGrpSpPr>
+      <p:grpSpPr>
+        <a:xfrm>
+          <a:off x="0" y="0"/>
+          <a:ext cx="0" cy="0"/>
+          <a:chOff x="0" y="0"/>
+          <a:chExt cx="0" cy="0"/>
+        </a:xfrm>
+      </p:grpSpPr>
+      <p:pic>
+        <p:nvPicPr>
           <p:cNvPr id="1027" name="Picture 3"/>
           <p:cNvPicPr>
             <a:picLocks noChangeAspect="1" noChangeArrowheads="1"/>
@@ -3175,7 +3270,7 @@
 </p:sld>
 </file>
 
-<file path=ppt/slides/slide2.xml><?xml version="1.0" encoding="utf-8"?>
+<file path=ppt/slides/slide3.xml><?xml version="1.0" encoding="utf-8"?>
 <p:sld xmlns:a="http://schemas.openxmlformats.org/drawingml/2006/main" xmlns:r="http://schemas.openxmlformats.org/officeDocument/2006/relationships" xmlns:p="http://schemas.openxmlformats.org/presentationml/2006/main">
   <p:cSld>
     <p:spTree>
@@ -3418,7 +3513,7 @@
 </p:sld>
 </file>
 
-<file path=ppt/slides/slide3.xml><?xml version="1.0" encoding="utf-8"?>
+<file path=ppt/slides/slide4.xml><?xml version="1.0" encoding="utf-8"?>
 <p:sld xmlns:a="http://schemas.openxmlformats.org/drawingml/2006/main" xmlns:r="http://schemas.openxmlformats.org/officeDocument/2006/relationships" xmlns:p="http://schemas.openxmlformats.org/presentationml/2006/main">
   <p:cSld>
     <p:spTree>
@@ -3512,7 +3607,7 @@
 </p:sld>
 </file>
 
-<file path=ppt/slides/slide4.xml><?xml version="1.0" encoding="utf-8"?>
+<file path=ppt/slides/slide5.xml><?xml version="1.0" encoding="utf-8"?>
 <p:sld xmlns:a="http://schemas.openxmlformats.org/drawingml/2006/main" xmlns:r="http://schemas.openxmlformats.org/officeDocument/2006/relationships" xmlns:p="http://schemas.openxmlformats.org/presentationml/2006/main">
   <p:cSld>
     <p:spTree>

--- a/pics/2021-04-30-direction_fields/pics.pptx
+++ b/pics/2021-04-30-direction_fields/pics.pptx
@@ -10,6 +10,8 @@
     <p:sldId id="258" r:id="rId4"/>
     <p:sldId id="257" r:id="rId5"/>
     <p:sldId id="259" r:id="rId6"/>
+    <p:sldId id="261" r:id="rId7"/>
+    <p:sldId id="262" r:id="rId8"/>
   </p:sldIdLst>
   <p:sldSz cx="9144000" cy="6858000" type="screen4x3"/>
   <p:notesSz cx="6858000" cy="9144000"/>
@@ -108,6 +110,22 @@
       </a:defRPr>
     </a:lvl9pPr>
   </p:defaultTextStyle>
+  <p:extLst>
+    <p:ext uri="{EFAFB233-063F-42B5-8137-9DF3F51BA10A}">
+      <p15:sldGuideLst xmlns:p15="http://schemas.microsoft.com/office/powerpoint/2012/main">
+        <p15:guide id="1" orient="horz" pos="2160">
+          <p15:clr>
+            <a:srgbClr val="A4A3A4"/>
+          </p15:clr>
+        </p15:guide>
+        <p15:guide id="2" pos="2880">
+          <p15:clr>
+            <a:srgbClr val="A4A3A4"/>
+          </p15:clr>
+        </p15:guide>
+      </p15:sldGuideLst>
+    </p:ext>
+  </p:extLst>
 </p:presentation>
 </file>
 
@@ -149,10 +167,9 @@
           <a:lstStyle/>
           <a:p>
             <a:r>
-              <a:rPr lang="ko-KR" altLang="en-US" smtClean="0"/>
+              <a:rPr lang="ko-KR" altLang="en-US"/>
               <a:t>마스터 제목 스타일 편집</a:t>
             </a:r>
-            <a:endParaRPr lang="ko-KR" altLang="en-US"/>
           </a:p>
         </p:txBody>
       </p:sp>
@@ -268,10 +285,9 @@
           </a:lstStyle>
           <a:p>
             <a:r>
-              <a:rPr lang="ko-KR" altLang="en-US" smtClean="0"/>
+              <a:rPr lang="ko-KR" altLang="en-US"/>
               <a:t>마스터 부제목 스타일 편집</a:t>
             </a:r>
-            <a:endParaRPr lang="ko-KR" altLang="en-US"/>
           </a:p>
         </p:txBody>
       </p:sp>
@@ -292,7 +308,7 @@
           <a:p>
             <a:fld id="{5723A304-CB7A-42C3-B630-651FE9F92397}" type="datetimeFigureOut">
               <a:rPr lang="ko-KR" altLang="en-US" smtClean="0"/>
-              <a:t>2021-05-06</a:t>
+              <a:t>2021-05-30</a:t>
             </a:fld>
             <a:endParaRPr lang="ko-KR" altLang="en-US"/>
           </a:p>
@@ -386,10 +402,9 @@
           <a:lstStyle/>
           <a:p>
             <a:r>
-              <a:rPr lang="ko-KR" altLang="en-US" smtClean="0"/>
+              <a:rPr lang="ko-KR" altLang="en-US"/>
               <a:t>마스터 제목 스타일 편집</a:t>
             </a:r>
-            <a:endParaRPr lang="ko-KR" altLang="en-US"/>
           </a:p>
         </p:txBody>
       </p:sp>
@@ -410,38 +425,37 @@
           <a:p>
             <a:pPr lvl="0"/>
             <a:r>
-              <a:rPr lang="ko-KR" altLang="en-US" smtClean="0"/>
+              <a:rPr lang="ko-KR" altLang="en-US"/>
               <a:t>마스터 텍스트 스타일을 편집합니다</a:t>
             </a:r>
           </a:p>
           <a:p>
             <a:pPr lvl="1"/>
             <a:r>
-              <a:rPr lang="ko-KR" altLang="en-US" smtClean="0"/>
+              <a:rPr lang="ko-KR" altLang="en-US"/>
               <a:t>둘째 수준</a:t>
             </a:r>
           </a:p>
           <a:p>
             <a:pPr lvl="2"/>
             <a:r>
-              <a:rPr lang="ko-KR" altLang="en-US" smtClean="0"/>
+              <a:rPr lang="ko-KR" altLang="en-US"/>
               <a:t>셋째 수준</a:t>
             </a:r>
           </a:p>
           <a:p>
             <a:pPr lvl="3"/>
             <a:r>
-              <a:rPr lang="ko-KR" altLang="en-US" smtClean="0"/>
+              <a:rPr lang="ko-KR" altLang="en-US"/>
               <a:t>넷째 수준</a:t>
             </a:r>
           </a:p>
           <a:p>
             <a:pPr lvl="4"/>
             <a:r>
-              <a:rPr lang="ko-KR" altLang="en-US" smtClean="0"/>
+              <a:rPr lang="ko-KR" altLang="en-US"/>
               <a:t>다섯째 수준</a:t>
             </a:r>
-            <a:endParaRPr lang="ko-KR" altLang="en-US"/>
           </a:p>
         </p:txBody>
       </p:sp>
@@ -462,7 +476,7 @@
           <a:p>
             <a:fld id="{5723A304-CB7A-42C3-B630-651FE9F92397}" type="datetimeFigureOut">
               <a:rPr lang="ko-KR" altLang="en-US" smtClean="0"/>
-              <a:t>2021-05-06</a:t>
+              <a:t>2021-05-30</a:t>
             </a:fld>
             <a:endParaRPr lang="ko-KR" altLang="en-US"/>
           </a:p>
@@ -561,10 +575,9 @@
           <a:lstStyle/>
           <a:p>
             <a:r>
-              <a:rPr lang="ko-KR" altLang="en-US" smtClean="0"/>
+              <a:rPr lang="ko-KR" altLang="en-US"/>
               <a:t>마스터 제목 스타일 편집</a:t>
             </a:r>
-            <a:endParaRPr lang="ko-KR" altLang="en-US"/>
           </a:p>
         </p:txBody>
       </p:sp>
@@ -590,38 +603,37 @@
           <a:p>
             <a:pPr lvl="0"/>
             <a:r>
-              <a:rPr lang="ko-KR" altLang="en-US" smtClean="0"/>
+              <a:rPr lang="ko-KR" altLang="en-US"/>
               <a:t>마스터 텍스트 스타일을 편집합니다</a:t>
             </a:r>
           </a:p>
           <a:p>
             <a:pPr lvl="1"/>
             <a:r>
-              <a:rPr lang="ko-KR" altLang="en-US" smtClean="0"/>
+              <a:rPr lang="ko-KR" altLang="en-US"/>
               <a:t>둘째 수준</a:t>
             </a:r>
           </a:p>
           <a:p>
             <a:pPr lvl="2"/>
             <a:r>
-              <a:rPr lang="ko-KR" altLang="en-US" smtClean="0"/>
+              <a:rPr lang="ko-KR" altLang="en-US"/>
               <a:t>셋째 수준</a:t>
             </a:r>
           </a:p>
           <a:p>
             <a:pPr lvl="3"/>
             <a:r>
-              <a:rPr lang="ko-KR" altLang="en-US" smtClean="0"/>
+              <a:rPr lang="ko-KR" altLang="en-US"/>
               <a:t>넷째 수준</a:t>
             </a:r>
           </a:p>
           <a:p>
             <a:pPr lvl="4"/>
             <a:r>
-              <a:rPr lang="ko-KR" altLang="en-US" smtClean="0"/>
+              <a:rPr lang="ko-KR" altLang="en-US"/>
               <a:t>다섯째 수준</a:t>
             </a:r>
-            <a:endParaRPr lang="ko-KR" altLang="en-US"/>
           </a:p>
         </p:txBody>
       </p:sp>
@@ -642,7 +654,7 @@
           <a:p>
             <a:fld id="{5723A304-CB7A-42C3-B630-651FE9F92397}" type="datetimeFigureOut">
               <a:rPr lang="ko-KR" altLang="en-US" smtClean="0"/>
-              <a:t>2021-05-06</a:t>
+              <a:t>2021-05-30</a:t>
             </a:fld>
             <a:endParaRPr lang="ko-KR" altLang="en-US"/>
           </a:p>
@@ -736,10 +748,9 @@
           <a:lstStyle/>
           <a:p>
             <a:r>
-              <a:rPr lang="ko-KR" altLang="en-US" smtClean="0"/>
+              <a:rPr lang="ko-KR" altLang="en-US"/>
               <a:t>마스터 제목 스타일 편집</a:t>
             </a:r>
-            <a:endParaRPr lang="ko-KR" altLang="en-US"/>
           </a:p>
         </p:txBody>
       </p:sp>
@@ -760,38 +771,37 @@
           <a:p>
             <a:pPr lvl="0"/>
             <a:r>
-              <a:rPr lang="ko-KR" altLang="en-US" smtClean="0"/>
+              <a:rPr lang="ko-KR" altLang="en-US"/>
               <a:t>마스터 텍스트 스타일을 편집합니다</a:t>
             </a:r>
           </a:p>
           <a:p>
             <a:pPr lvl="1"/>
             <a:r>
-              <a:rPr lang="ko-KR" altLang="en-US" smtClean="0"/>
+              <a:rPr lang="ko-KR" altLang="en-US"/>
               <a:t>둘째 수준</a:t>
             </a:r>
           </a:p>
           <a:p>
             <a:pPr lvl="2"/>
             <a:r>
-              <a:rPr lang="ko-KR" altLang="en-US" smtClean="0"/>
+              <a:rPr lang="ko-KR" altLang="en-US"/>
               <a:t>셋째 수준</a:t>
             </a:r>
           </a:p>
           <a:p>
             <a:pPr lvl="3"/>
             <a:r>
-              <a:rPr lang="ko-KR" altLang="en-US" smtClean="0"/>
+              <a:rPr lang="ko-KR" altLang="en-US"/>
               <a:t>넷째 수준</a:t>
             </a:r>
           </a:p>
           <a:p>
             <a:pPr lvl="4"/>
             <a:r>
-              <a:rPr lang="ko-KR" altLang="en-US" smtClean="0"/>
+              <a:rPr lang="ko-KR" altLang="en-US"/>
               <a:t>다섯째 수준</a:t>
             </a:r>
-            <a:endParaRPr lang="ko-KR" altLang="en-US"/>
           </a:p>
         </p:txBody>
       </p:sp>
@@ -812,7 +822,7 @@
           <a:p>
             <a:fld id="{5723A304-CB7A-42C3-B630-651FE9F92397}" type="datetimeFigureOut">
               <a:rPr lang="ko-KR" altLang="en-US" smtClean="0"/>
-              <a:t>2021-05-06</a:t>
+              <a:t>2021-05-30</a:t>
             </a:fld>
             <a:endParaRPr lang="ko-KR" altLang="en-US"/>
           </a:p>
@@ -915,10 +925,9 @@
           </a:lstStyle>
           <a:p>
             <a:r>
-              <a:rPr lang="ko-KR" altLang="en-US" smtClean="0"/>
+              <a:rPr lang="ko-KR" altLang="en-US"/>
               <a:t>마스터 제목 스타일 편집</a:t>
             </a:r>
-            <a:endParaRPr lang="ko-KR" altLang="en-US"/>
           </a:p>
         </p:txBody>
       </p:sp>
@@ -1035,7 +1044,7 @@
           <a:p>
             <a:pPr lvl="0"/>
             <a:r>
-              <a:rPr lang="ko-KR" altLang="en-US" smtClean="0"/>
+              <a:rPr lang="ko-KR" altLang="en-US"/>
               <a:t>마스터 텍스트 스타일을 편집합니다</a:t>
             </a:r>
           </a:p>
@@ -1058,7 +1067,7 @@
           <a:p>
             <a:fld id="{5723A304-CB7A-42C3-B630-651FE9F92397}" type="datetimeFigureOut">
               <a:rPr lang="ko-KR" altLang="en-US" smtClean="0"/>
-              <a:t>2021-05-06</a:t>
+              <a:t>2021-05-30</a:t>
             </a:fld>
             <a:endParaRPr lang="ko-KR" altLang="en-US"/>
           </a:p>
@@ -1152,10 +1161,9 @@
           <a:lstStyle/>
           <a:p>
             <a:r>
-              <a:rPr lang="ko-KR" altLang="en-US" smtClean="0"/>
+              <a:rPr lang="ko-KR" altLang="en-US"/>
               <a:t>마스터 제목 스타일 편집</a:t>
             </a:r>
-            <a:endParaRPr lang="ko-KR" altLang="en-US"/>
           </a:p>
         </p:txBody>
       </p:sp>
@@ -1209,38 +1217,37 @@
           <a:p>
             <a:pPr lvl="0"/>
             <a:r>
-              <a:rPr lang="ko-KR" altLang="en-US" smtClean="0"/>
+              <a:rPr lang="ko-KR" altLang="en-US"/>
               <a:t>마스터 텍스트 스타일을 편집합니다</a:t>
             </a:r>
           </a:p>
           <a:p>
             <a:pPr lvl="1"/>
             <a:r>
-              <a:rPr lang="ko-KR" altLang="en-US" smtClean="0"/>
+              <a:rPr lang="ko-KR" altLang="en-US"/>
               <a:t>둘째 수준</a:t>
             </a:r>
           </a:p>
           <a:p>
             <a:pPr lvl="2"/>
             <a:r>
-              <a:rPr lang="ko-KR" altLang="en-US" smtClean="0"/>
+              <a:rPr lang="ko-KR" altLang="en-US"/>
               <a:t>셋째 수준</a:t>
             </a:r>
           </a:p>
           <a:p>
             <a:pPr lvl="3"/>
             <a:r>
-              <a:rPr lang="ko-KR" altLang="en-US" smtClean="0"/>
+              <a:rPr lang="ko-KR" altLang="en-US"/>
               <a:t>넷째 수준</a:t>
             </a:r>
           </a:p>
           <a:p>
             <a:pPr lvl="4"/>
             <a:r>
-              <a:rPr lang="ko-KR" altLang="en-US" smtClean="0"/>
+              <a:rPr lang="ko-KR" altLang="en-US"/>
               <a:t>다섯째 수준</a:t>
             </a:r>
-            <a:endParaRPr lang="ko-KR" altLang="en-US"/>
           </a:p>
         </p:txBody>
       </p:sp>
@@ -1294,38 +1301,37 @@
           <a:p>
             <a:pPr lvl="0"/>
             <a:r>
-              <a:rPr lang="ko-KR" altLang="en-US" smtClean="0"/>
+              <a:rPr lang="ko-KR" altLang="en-US"/>
               <a:t>마스터 텍스트 스타일을 편집합니다</a:t>
             </a:r>
           </a:p>
           <a:p>
             <a:pPr lvl="1"/>
             <a:r>
-              <a:rPr lang="ko-KR" altLang="en-US" smtClean="0"/>
+              <a:rPr lang="ko-KR" altLang="en-US"/>
               <a:t>둘째 수준</a:t>
             </a:r>
           </a:p>
           <a:p>
             <a:pPr lvl="2"/>
             <a:r>
-              <a:rPr lang="ko-KR" altLang="en-US" smtClean="0"/>
+              <a:rPr lang="ko-KR" altLang="en-US"/>
               <a:t>셋째 수준</a:t>
             </a:r>
           </a:p>
           <a:p>
             <a:pPr lvl="3"/>
             <a:r>
-              <a:rPr lang="ko-KR" altLang="en-US" smtClean="0"/>
+              <a:rPr lang="ko-KR" altLang="en-US"/>
               <a:t>넷째 수준</a:t>
             </a:r>
           </a:p>
           <a:p>
             <a:pPr lvl="4"/>
             <a:r>
-              <a:rPr lang="ko-KR" altLang="en-US" smtClean="0"/>
+              <a:rPr lang="ko-KR" altLang="en-US"/>
               <a:t>다섯째 수준</a:t>
             </a:r>
-            <a:endParaRPr lang="ko-KR" altLang="en-US"/>
           </a:p>
         </p:txBody>
       </p:sp>
@@ -1346,7 +1352,7 @@
           <a:p>
             <a:fld id="{5723A304-CB7A-42C3-B630-651FE9F92397}" type="datetimeFigureOut">
               <a:rPr lang="ko-KR" altLang="en-US" smtClean="0"/>
-              <a:t>2021-05-06</a:t>
+              <a:t>2021-05-30</a:t>
             </a:fld>
             <a:endParaRPr lang="ko-KR" altLang="en-US"/>
           </a:p>
@@ -1444,10 +1450,9 @@
           </a:lstStyle>
           <a:p>
             <a:r>
-              <a:rPr lang="ko-KR" altLang="en-US" smtClean="0"/>
+              <a:rPr lang="ko-KR" altLang="en-US"/>
               <a:t>마스터 제목 스타일 편집</a:t>
             </a:r>
-            <a:endParaRPr lang="ko-KR" altLang="en-US"/>
           </a:p>
         </p:txBody>
       </p:sp>
@@ -1510,7 +1515,7 @@
           <a:p>
             <a:pPr lvl="0"/>
             <a:r>
-              <a:rPr lang="ko-KR" altLang="en-US" smtClean="0"/>
+              <a:rPr lang="ko-KR" altLang="en-US"/>
               <a:t>마스터 텍스트 스타일을 편집합니다</a:t>
             </a:r>
           </a:p>
@@ -1566,38 +1571,37 @@
           <a:p>
             <a:pPr lvl="0"/>
             <a:r>
-              <a:rPr lang="ko-KR" altLang="en-US" smtClean="0"/>
+              <a:rPr lang="ko-KR" altLang="en-US"/>
               <a:t>마스터 텍스트 스타일을 편집합니다</a:t>
             </a:r>
           </a:p>
           <a:p>
             <a:pPr lvl="1"/>
             <a:r>
-              <a:rPr lang="ko-KR" altLang="en-US" smtClean="0"/>
+              <a:rPr lang="ko-KR" altLang="en-US"/>
               <a:t>둘째 수준</a:t>
             </a:r>
           </a:p>
           <a:p>
             <a:pPr lvl="2"/>
             <a:r>
-              <a:rPr lang="ko-KR" altLang="en-US" smtClean="0"/>
+              <a:rPr lang="ko-KR" altLang="en-US"/>
               <a:t>셋째 수준</a:t>
             </a:r>
           </a:p>
           <a:p>
             <a:pPr lvl="3"/>
             <a:r>
-              <a:rPr lang="ko-KR" altLang="en-US" smtClean="0"/>
+              <a:rPr lang="ko-KR" altLang="en-US"/>
               <a:t>넷째 수준</a:t>
             </a:r>
           </a:p>
           <a:p>
             <a:pPr lvl="4"/>
             <a:r>
-              <a:rPr lang="ko-KR" altLang="en-US" smtClean="0"/>
+              <a:rPr lang="ko-KR" altLang="en-US"/>
               <a:t>다섯째 수준</a:t>
             </a:r>
-            <a:endParaRPr lang="ko-KR" altLang="en-US"/>
           </a:p>
         </p:txBody>
       </p:sp>
@@ -1660,7 +1664,7 @@
           <a:p>
             <a:pPr lvl="0"/>
             <a:r>
-              <a:rPr lang="ko-KR" altLang="en-US" smtClean="0"/>
+              <a:rPr lang="ko-KR" altLang="en-US"/>
               <a:t>마스터 텍스트 스타일을 편집합니다</a:t>
             </a:r>
           </a:p>
@@ -1716,38 +1720,37 @@
           <a:p>
             <a:pPr lvl="0"/>
             <a:r>
-              <a:rPr lang="ko-KR" altLang="en-US" smtClean="0"/>
+              <a:rPr lang="ko-KR" altLang="en-US"/>
               <a:t>마스터 텍스트 스타일을 편집합니다</a:t>
             </a:r>
           </a:p>
           <a:p>
             <a:pPr lvl="1"/>
             <a:r>
-              <a:rPr lang="ko-KR" altLang="en-US" smtClean="0"/>
+              <a:rPr lang="ko-KR" altLang="en-US"/>
               <a:t>둘째 수준</a:t>
             </a:r>
           </a:p>
           <a:p>
             <a:pPr lvl="2"/>
             <a:r>
-              <a:rPr lang="ko-KR" altLang="en-US" smtClean="0"/>
+              <a:rPr lang="ko-KR" altLang="en-US"/>
               <a:t>셋째 수준</a:t>
             </a:r>
           </a:p>
           <a:p>
             <a:pPr lvl="3"/>
             <a:r>
-              <a:rPr lang="ko-KR" altLang="en-US" smtClean="0"/>
+              <a:rPr lang="ko-KR" altLang="en-US"/>
               <a:t>넷째 수준</a:t>
             </a:r>
           </a:p>
           <a:p>
             <a:pPr lvl="4"/>
             <a:r>
-              <a:rPr lang="ko-KR" altLang="en-US" smtClean="0"/>
+              <a:rPr lang="ko-KR" altLang="en-US"/>
               <a:t>다섯째 수준</a:t>
             </a:r>
-            <a:endParaRPr lang="ko-KR" altLang="en-US"/>
           </a:p>
         </p:txBody>
       </p:sp>
@@ -1768,7 +1771,7 @@
           <a:p>
             <a:fld id="{5723A304-CB7A-42C3-B630-651FE9F92397}" type="datetimeFigureOut">
               <a:rPr lang="ko-KR" altLang="en-US" smtClean="0"/>
-              <a:t>2021-05-06</a:t>
+              <a:t>2021-05-30</a:t>
             </a:fld>
             <a:endParaRPr lang="ko-KR" altLang="en-US"/>
           </a:p>
@@ -1862,10 +1865,9 @@
           <a:lstStyle/>
           <a:p>
             <a:r>
-              <a:rPr lang="ko-KR" altLang="en-US" smtClean="0"/>
+              <a:rPr lang="ko-KR" altLang="en-US"/>
               <a:t>마스터 제목 스타일 편집</a:t>
             </a:r>
-            <a:endParaRPr lang="ko-KR" altLang="en-US"/>
           </a:p>
         </p:txBody>
       </p:sp>
@@ -1886,7 +1888,7 @@
           <a:p>
             <a:fld id="{5723A304-CB7A-42C3-B630-651FE9F92397}" type="datetimeFigureOut">
               <a:rPr lang="ko-KR" altLang="en-US" smtClean="0"/>
-              <a:t>2021-05-06</a:t>
+              <a:t>2021-05-30</a:t>
             </a:fld>
             <a:endParaRPr lang="ko-KR" altLang="en-US"/>
           </a:p>
@@ -1981,7 +1983,7 @@
           <a:p>
             <a:fld id="{5723A304-CB7A-42C3-B630-651FE9F92397}" type="datetimeFigureOut">
               <a:rPr lang="ko-KR" altLang="en-US" smtClean="0"/>
-              <a:t>2021-05-06</a:t>
+              <a:t>2021-05-30</a:t>
             </a:fld>
             <a:endParaRPr lang="ko-KR" altLang="en-US"/>
           </a:p>
@@ -2084,10 +2086,9 @@
           </a:lstStyle>
           <a:p>
             <a:r>
-              <a:rPr lang="ko-KR" altLang="en-US" smtClean="0"/>
+              <a:rPr lang="ko-KR" altLang="en-US"/>
               <a:t>마스터 제목 스타일 편집</a:t>
             </a:r>
-            <a:endParaRPr lang="ko-KR" altLang="en-US"/>
           </a:p>
         </p:txBody>
       </p:sp>
@@ -2141,38 +2142,37 @@
           <a:p>
             <a:pPr lvl="0"/>
             <a:r>
-              <a:rPr lang="ko-KR" altLang="en-US" smtClean="0"/>
+              <a:rPr lang="ko-KR" altLang="en-US"/>
               <a:t>마스터 텍스트 스타일을 편집합니다</a:t>
             </a:r>
           </a:p>
           <a:p>
             <a:pPr lvl="1"/>
             <a:r>
-              <a:rPr lang="ko-KR" altLang="en-US" smtClean="0"/>
+              <a:rPr lang="ko-KR" altLang="en-US"/>
               <a:t>둘째 수준</a:t>
             </a:r>
           </a:p>
           <a:p>
             <a:pPr lvl="2"/>
             <a:r>
-              <a:rPr lang="ko-KR" altLang="en-US" smtClean="0"/>
+              <a:rPr lang="ko-KR" altLang="en-US"/>
               <a:t>셋째 수준</a:t>
             </a:r>
           </a:p>
           <a:p>
             <a:pPr lvl="3"/>
             <a:r>
-              <a:rPr lang="ko-KR" altLang="en-US" smtClean="0"/>
+              <a:rPr lang="ko-KR" altLang="en-US"/>
               <a:t>넷째 수준</a:t>
             </a:r>
           </a:p>
           <a:p>
             <a:pPr lvl="4"/>
             <a:r>
-              <a:rPr lang="ko-KR" altLang="en-US" smtClean="0"/>
+              <a:rPr lang="ko-KR" altLang="en-US"/>
               <a:t>다섯째 수준</a:t>
             </a:r>
-            <a:endParaRPr lang="ko-KR" altLang="en-US"/>
           </a:p>
         </p:txBody>
       </p:sp>
@@ -2235,7 +2235,7 @@
           <a:p>
             <a:pPr lvl="0"/>
             <a:r>
-              <a:rPr lang="ko-KR" altLang="en-US" smtClean="0"/>
+              <a:rPr lang="ko-KR" altLang="en-US"/>
               <a:t>마스터 텍스트 스타일을 편집합니다</a:t>
             </a:r>
           </a:p>
@@ -2258,7 +2258,7 @@
           <a:p>
             <a:fld id="{5723A304-CB7A-42C3-B630-651FE9F92397}" type="datetimeFigureOut">
               <a:rPr lang="ko-KR" altLang="en-US" smtClean="0"/>
-              <a:t>2021-05-06</a:t>
+              <a:t>2021-05-30</a:t>
             </a:fld>
             <a:endParaRPr lang="ko-KR" altLang="en-US"/>
           </a:p>
@@ -2361,10 +2361,9 @@
           </a:lstStyle>
           <a:p>
             <a:r>
-              <a:rPr lang="ko-KR" altLang="en-US" smtClean="0"/>
+              <a:rPr lang="ko-KR" altLang="en-US"/>
               <a:t>마스터 제목 스타일 편집</a:t>
             </a:r>
-            <a:endParaRPr lang="ko-KR" altLang="en-US"/>
           </a:p>
         </p:txBody>
       </p:sp>
@@ -2488,7 +2487,7 @@
           <a:p>
             <a:pPr lvl="0"/>
             <a:r>
-              <a:rPr lang="ko-KR" altLang="en-US" smtClean="0"/>
+              <a:rPr lang="ko-KR" altLang="en-US"/>
               <a:t>마스터 텍스트 스타일을 편집합니다</a:t>
             </a:r>
           </a:p>
@@ -2511,7 +2510,7 @@
           <a:p>
             <a:fld id="{5723A304-CB7A-42C3-B630-651FE9F92397}" type="datetimeFigureOut">
               <a:rPr lang="ko-KR" altLang="en-US" smtClean="0"/>
-              <a:t>2021-05-06</a:t>
+              <a:t>2021-05-30</a:t>
             </a:fld>
             <a:endParaRPr lang="ko-KR" altLang="en-US"/>
           </a:p>
@@ -2620,10 +2619,9 @@
           <a:lstStyle/>
           <a:p>
             <a:r>
-              <a:rPr lang="ko-KR" altLang="en-US" smtClean="0"/>
+              <a:rPr lang="ko-KR" altLang="en-US"/>
               <a:t>마스터 제목 스타일 편집</a:t>
             </a:r>
-            <a:endParaRPr lang="ko-KR" altLang="en-US"/>
           </a:p>
         </p:txBody>
       </p:sp>
@@ -2654,38 +2652,37 @@
           <a:p>
             <a:pPr lvl="0"/>
             <a:r>
-              <a:rPr lang="ko-KR" altLang="en-US" smtClean="0"/>
+              <a:rPr lang="ko-KR" altLang="en-US"/>
               <a:t>마스터 텍스트 스타일을 편집합니다</a:t>
             </a:r>
           </a:p>
           <a:p>
             <a:pPr lvl="1"/>
             <a:r>
-              <a:rPr lang="ko-KR" altLang="en-US" smtClean="0"/>
+              <a:rPr lang="ko-KR" altLang="en-US"/>
               <a:t>둘째 수준</a:t>
             </a:r>
           </a:p>
           <a:p>
             <a:pPr lvl="2"/>
             <a:r>
-              <a:rPr lang="ko-KR" altLang="en-US" smtClean="0"/>
+              <a:rPr lang="ko-KR" altLang="en-US"/>
               <a:t>셋째 수준</a:t>
             </a:r>
           </a:p>
           <a:p>
             <a:pPr lvl="3"/>
             <a:r>
-              <a:rPr lang="ko-KR" altLang="en-US" smtClean="0"/>
+              <a:rPr lang="ko-KR" altLang="en-US"/>
               <a:t>넷째 수준</a:t>
             </a:r>
           </a:p>
           <a:p>
             <a:pPr lvl="4"/>
             <a:r>
-              <a:rPr lang="ko-KR" altLang="en-US" smtClean="0"/>
+              <a:rPr lang="ko-KR" altLang="en-US"/>
               <a:t>다섯째 수준</a:t>
             </a:r>
-            <a:endParaRPr lang="ko-KR" altLang="en-US"/>
           </a:p>
         </p:txBody>
       </p:sp>
@@ -2724,7 +2721,7 @@
           <a:p>
             <a:fld id="{5723A304-CB7A-42C3-B630-651FE9F92397}" type="datetimeFigureOut">
               <a:rPr lang="ko-KR" altLang="en-US" smtClean="0"/>
-              <a:t>2021-05-06</a:t>
+              <a:t>2021-05-30</a:t>
             </a:fld>
             <a:endParaRPr lang="ko-KR" altLang="en-US"/>
           </a:p>
@@ -3701,6 +3698,446 @@
 </p:sld>
 </file>
 
+<file path=ppt/slides/slide6.xml><?xml version="1.0" encoding="utf-8"?>
+<p:sld xmlns:a="http://schemas.openxmlformats.org/drawingml/2006/main" xmlns:r="http://schemas.openxmlformats.org/officeDocument/2006/relationships" xmlns:p="http://schemas.openxmlformats.org/presentationml/2006/main">
+  <p:cSld>
+    <p:spTree>
+      <p:nvGrpSpPr>
+        <p:cNvPr id="1" name=""/>
+        <p:cNvGrpSpPr/>
+        <p:nvPr/>
+      </p:nvGrpSpPr>
+      <p:grpSpPr>
+        <a:xfrm>
+          <a:off x="0" y="0"/>
+          <a:ext cx="0" cy="0"/>
+          <a:chOff x="0" y="0"/>
+          <a:chExt cx="0" cy="0"/>
+        </a:xfrm>
+      </p:grpSpPr>
+      <p:pic>
+        <p:nvPicPr>
+          <p:cNvPr id="5" name="그림 4">
+            <a:extLst>
+              <a:ext uri="{FF2B5EF4-FFF2-40B4-BE49-F238E27FC236}">
+                <a16:creationId xmlns:a16="http://schemas.microsoft.com/office/drawing/2014/main" id="{FF487BAE-4C5E-49EF-9FCD-31055FEE46AB}"/>
+              </a:ext>
+            </a:extLst>
+          </p:cNvPr>
+          <p:cNvPicPr>
+            <a:picLocks noChangeAspect="1"/>
+          </p:cNvPicPr>
+          <p:nvPr/>
+        </p:nvPicPr>
+        <p:blipFill>
+          <a:blip r:embed="rId2"/>
+          <a:stretch>
+            <a:fillRect/>
+          </a:stretch>
+        </p:blipFill>
+        <p:spPr>
+          <a:xfrm>
+            <a:off x="1609725" y="1143000"/>
+            <a:ext cx="5924550" cy="4572000"/>
+          </a:xfrm>
+          <a:prstGeom prst="rect">
+            <a:avLst/>
+          </a:prstGeom>
+        </p:spPr>
+      </p:pic>
+      <mc:AlternateContent xmlns:mc="http://schemas.openxmlformats.org/markup-compatibility/2006">
+        <mc:Choice xmlns:a14="http://schemas.microsoft.com/office/drawing/2010/main" Requires="a14">
+          <p:sp>
+            <p:nvSpPr>
+              <p:cNvPr id="6" name="TextBox 5">
+                <a:extLst>
+                  <a:ext uri="{FF2B5EF4-FFF2-40B4-BE49-F238E27FC236}">
+                    <a16:creationId xmlns:a16="http://schemas.microsoft.com/office/drawing/2014/main" id="{414689D1-890A-4BF3-90A0-83E53093F61C}"/>
+                  </a:ext>
+                </a:extLst>
+              </p:cNvPr>
+              <p:cNvSpPr txBox="1"/>
+              <p:nvPr/>
+            </p:nvSpPr>
+            <p:spPr>
+              <a:xfrm>
+                <a:off x="3995936" y="2132856"/>
+                <a:ext cx="1331262" cy="369332"/>
+              </a:xfrm>
+              <a:prstGeom prst="rect">
+                <a:avLst/>
+              </a:prstGeom>
+              <a:solidFill>
+                <a:schemeClr val="bg1"/>
+              </a:solidFill>
+              <a:ln>
+                <a:solidFill>
+                  <a:schemeClr val="tx1"/>
+                </a:solidFill>
+              </a:ln>
+            </p:spPr>
+            <p:txBody>
+              <a:bodyPr wrap="none" rtlCol="0">
+                <a:spAutoFit/>
+              </a:bodyPr>
+              <a:lstStyle/>
+              <a:p>
+                <a14:m>
+                  <m:oMathPara xmlns:m="http://schemas.openxmlformats.org/officeDocument/2006/math">
+                    <m:oMathParaPr>
+                      <m:jc m:val="centerGroup"/>
+                    </m:oMathParaPr>
+                    <m:oMath xmlns:m="http://schemas.openxmlformats.org/officeDocument/2006/math">
+                      <m:r>
+                        <a:rPr lang="en-US" altLang="ko-KR" b="0" i="1" smtClean="0">
+                          <a:latin typeface="Cambria Math" panose="02040503050406030204" pitchFamily="18" charset="0"/>
+                        </a:rPr>
+                        <m:t>𝑦</m:t>
+                      </m:r>
+                      <m:r>
+                        <a:rPr lang="en-US" altLang="ko-KR" b="0" i="1" smtClean="0">
+                          <a:latin typeface="Cambria Math" panose="02040503050406030204" pitchFamily="18" charset="0"/>
+                        </a:rPr>
+                        <m:t>=100</m:t>
+                      </m:r>
+                      <m:sSup>
+                        <m:sSupPr>
+                          <m:ctrlPr>
+                            <a:rPr lang="en-US" altLang="ko-KR" b="0" i="1" smtClean="0">
+                              <a:latin typeface="Cambria Math" panose="02040503050406030204" pitchFamily="18" charset="0"/>
+                            </a:rPr>
+                          </m:ctrlPr>
+                        </m:sSupPr>
+                        <m:e>
+                          <m:r>
+                            <a:rPr lang="en-US" altLang="ko-KR" b="0" i="1" smtClean="0">
+                              <a:latin typeface="Cambria Math" panose="02040503050406030204" pitchFamily="18" charset="0"/>
+                            </a:rPr>
+                            <m:t>𝑒</m:t>
+                          </m:r>
+                        </m:e>
+                        <m:sup>
+                          <m:r>
+                            <a:rPr lang="en-US" altLang="ko-KR" b="0" i="1" smtClean="0">
+                              <a:latin typeface="Cambria Math" panose="02040503050406030204" pitchFamily="18" charset="0"/>
+                            </a:rPr>
+                            <m:t>𝑥</m:t>
+                          </m:r>
+                        </m:sup>
+                      </m:sSup>
+                    </m:oMath>
+                  </m:oMathPara>
+                </a14:m>
+                <a:endParaRPr lang="ko-KR" altLang="en-US" dirty="0"/>
+              </a:p>
+            </p:txBody>
+          </p:sp>
+        </mc:Choice>
+        <mc:Fallback>
+          <p:sp>
+            <p:nvSpPr>
+              <p:cNvPr id="6" name="TextBox 5">
+                <a:extLst>
+                  <a:ext uri="{FF2B5EF4-FFF2-40B4-BE49-F238E27FC236}">
+                    <a16:creationId xmlns:a16="http://schemas.microsoft.com/office/drawing/2014/main" id="{414689D1-890A-4BF3-90A0-83E53093F61C}"/>
+                  </a:ext>
+                </a:extLst>
+              </p:cNvPr>
+              <p:cNvSpPr txBox="1">
+                <a:spLocks noRot="1" noChangeAspect="1" noMove="1" noResize="1" noEditPoints="1" noAdjustHandles="1" noChangeArrowheads="1" noChangeShapeType="1" noTextEdit="1"/>
+              </p:cNvSpPr>
+              <p:nvPr/>
+            </p:nvSpPr>
+            <p:spPr>
+              <a:xfrm>
+                <a:off x="3995936" y="2132856"/>
+                <a:ext cx="1331262" cy="369332"/>
+              </a:xfrm>
+              <a:prstGeom prst="rect">
+                <a:avLst/>
+              </a:prstGeom>
+              <a:blipFill>
+                <a:blip r:embed="rId3"/>
+                <a:stretch>
+                  <a:fillRect b="-8065"/>
+                </a:stretch>
+              </a:blipFill>
+              <a:ln>
+                <a:solidFill>
+                  <a:schemeClr val="tx1"/>
+                </a:solidFill>
+              </a:ln>
+            </p:spPr>
+            <p:txBody>
+              <a:bodyPr/>
+              <a:lstStyle/>
+              <a:p>
+                <a:r>
+                  <a:rPr lang="ko-KR" altLang="en-US">
+                    <a:noFill/>
+                  </a:rPr>
+                  <a:t> </a:t>
+                </a:r>
+              </a:p>
+            </p:txBody>
+          </p:sp>
+        </mc:Fallback>
+      </mc:AlternateContent>
+    </p:spTree>
+    <p:extLst>
+      <p:ext uri="{BB962C8B-B14F-4D97-AF65-F5344CB8AC3E}">
+        <p14:creationId xmlns:p14="http://schemas.microsoft.com/office/powerpoint/2010/main" val="3467033917"/>
+      </p:ext>
+    </p:extLst>
+  </p:cSld>
+  <p:clrMapOvr>
+    <a:masterClrMapping/>
+  </p:clrMapOvr>
+</p:sld>
+</file>
+
+<file path=ppt/slides/slide7.xml><?xml version="1.0" encoding="utf-8"?>
+<p:sld xmlns:a="http://schemas.openxmlformats.org/drawingml/2006/main" xmlns:r="http://schemas.openxmlformats.org/officeDocument/2006/relationships" xmlns:p="http://schemas.openxmlformats.org/presentationml/2006/main">
+  <p:cSld>
+    <p:spTree>
+      <p:nvGrpSpPr>
+        <p:cNvPr id="1" name=""/>
+        <p:cNvGrpSpPr/>
+        <p:nvPr/>
+      </p:nvGrpSpPr>
+      <p:grpSpPr>
+        <a:xfrm>
+          <a:off x="0" y="0"/>
+          <a:ext cx="0" cy="0"/>
+          <a:chOff x="0" y="0"/>
+          <a:chExt cx="0" cy="0"/>
+        </a:xfrm>
+      </p:grpSpPr>
+      <p:pic>
+        <p:nvPicPr>
+          <p:cNvPr id="8" name="그림 7">
+            <a:extLst>
+              <a:ext uri="{FF2B5EF4-FFF2-40B4-BE49-F238E27FC236}">
+                <a16:creationId xmlns:a16="http://schemas.microsoft.com/office/drawing/2014/main" id="{54488EBA-3AB1-40E0-B493-9E68F70A677F}"/>
+              </a:ext>
+            </a:extLst>
+          </p:cNvPr>
+          <p:cNvPicPr>
+            <a:picLocks noChangeAspect="1"/>
+          </p:cNvPicPr>
+          <p:nvPr/>
+        </p:nvPicPr>
+        <p:blipFill>
+          <a:blip r:embed="rId2"/>
+          <a:stretch>
+            <a:fillRect/>
+          </a:stretch>
+        </p:blipFill>
+        <p:spPr>
+          <a:xfrm>
+            <a:off x="1609725" y="1143000"/>
+            <a:ext cx="5924550" cy="4572000"/>
+          </a:xfrm>
+          <a:prstGeom prst="rect">
+            <a:avLst/>
+          </a:prstGeom>
+        </p:spPr>
+      </p:pic>
+      <mc:AlternateContent xmlns:mc="http://schemas.openxmlformats.org/markup-compatibility/2006">
+        <mc:Choice xmlns:a14="http://schemas.microsoft.com/office/drawing/2010/main" Requires="a14">
+          <p:sp>
+            <p:nvSpPr>
+              <p:cNvPr id="9" name="TextBox 8">
+                <a:extLst>
+                  <a:ext uri="{FF2B5EF4-FFF2-40B4-BE49-F238E27FC236}">
+                    <a16:creationId xmlns:a16="http://schemas.microsoft.com/office/drawing/2014/main" id="{826A61C8-A07A-4D6F-9321-D20A1B2D071B}"/>
+                  </a:ext>
+                </a:extLst>
+              </p:cNvPr>
+              <p:cNvSpPr txBox="1"/>
+              <p:nvPr/>
+            </p:nvSpPr>
+            <p:spPr>
+              <a:xfrm>
+                <a:off x="4788024" y="2564904"/>
+                <a:ext cx="1896608" cy="630173"/>
+              </a:xfrm>
+              <a:prstGeom prst="rect">
+                <a:avLst/>
+              </a:prstGeom>
+              <a:solidFill>
+                <a:schemeClr val="bg1"/>
+              </a:solidFill>
+              <a:ln>
+                <a:solidFill>
+                  <a:schemeClr val="tx1"/>
+                </a:solidFill>
+              </a:ln>
+            </p:spPr>
+            <p:txBody>
+              <a:bodyPr wrap="none" rtlCol="0">
+                <a:spAutoFit/>
+              </a:bodyPr>
+              <a:lstStyle/>
+              <a:p>
+                <a14:m>
+                  <m:oMathPara xmlns:m="http://schemas.openxmlformats.org/officeDocument/2006/math">
+                    <m:oMathParaPr>
+                      <m:jc m:val="centerGroup"/>
+                    </m:oMathParaPr>
+                    <m:oMath xmlns:m="http://schemas.openxmlformats.org/officeDocument/2006/math">
+                      <m:r>
+                        <a:rPr lang="en-US" altLang="ko-KR" b="0" i="1" smtClean="0">
+                          <a:latin typeface="Cambria Math" panose="02040503050406030204" pitchFamily="18" charset="0"/>
+                        </a:rPr>
+                        <m:t>𝑦</m:t>
+                      </m:r>
+                      <m:r>
+                        <a:rPr lang="en-US" altLang="ko-KR" b="0" i="1" smtClean="0">
+                          <a:latin typeface="Cambria Math" panose="02040503050406030204" pitchFamily="18" charset="0"/>
+                        </a:rPr>
+                        <m:t>=1000</m:t>
+                      </m:r>
+                      <m:f>
+                        <m:fPr>
+                          <m:ctrlPr>
+                            <a:rPr lang="en-US" altLang="ko-KR" b="0" i="1" smtClean="0">
+                              <a:latin typeface="Cambria Math" panose="02040503050406030204" pitchFamily="18" charset="0"/>
+                            </a:rPr>
+                          </m:ctrlPr>
+                        </m:fPr>
+                        <m:num>
+                          <m:sSup>
+                            <m:sSupPr>
+                              <m:ctrlPr>
+                                <a:rPr lang="en-US" altLang="ko-KR" b="0" i="1" smtClean="0">
+                                  <a:latin typeface="Cambria Math" panose="02040503050406030204" pitchFamily="18" charset="0"/>
+                                </a:rPr>
+                              </m:ctrlPr>
+                            </m:sSupPr>
+                            <m:e>
+                              <m:r>
+                                <a:rPr lang="en-US" altLang="ko-KR" b="0" i="1" smtClean="0">
+                                  <a:latin typeface="Cambria Math" panose="02040503050406030204" pitchFamily="18" charset="0"/>
+                                </a:rPr>
+                                <m:t>𝑒</m:t>
+                              </m:r>
+                            </m:e>
+                            <m:sup>
+                              <m:r>
+                                <a:rPr lang="en-US" altLang="ko-KR" b="0" i="1" smtClean="0">
+                                  <a:latin typeface="Cambria Math" panose="02040503050406030204" pitchFamily="18" charset="0"/>
+                                </a:rPr>
+                                <m:t>𝑥</m:t>
+                              </m:r>
+                            </m:sup>
+                          </m:sSup>
+                        </m:num>
+                        <m:den>
+                          <m:sSup>
+                            <m:sSupPr>
+                              <m:ctrlPr>
+                                <a:rPr lang="en-US" altLang="ko-KR" b="0" i="1" smtClean="0">
+                                  <a:latin typeface="Cambria Math" panose="02040503050406030204" pitchFamily="18" charset="0"/>
+                                </a:rPr>
+                              </m:ctrlPr>
+                            </m:sSupPr>
+                            <m:e>
+                              <m:r>
+                                <a:rPr lang="en-US" altLang="ko-KR" b="0" i="1" smtClean="0">
+                                  <a:latin typeface="Cambria Math" panose="02040503050406030204" pitchFamily="18" charset="0"/>
+                                </a:rPr>
+                                <m:t>𝑒</m:t>
+                              </m:r>
+                            </m:e>
+                            <m:sup>
+                              <m:r>
+                                <a:rPr lang="en-US" altLang="ko-KR" b="0" i="1" smtClean="0">
+                                  <a:latin typeface="Cambria Math" panose="02040503050406030204" pitchFamily="18" charset="0"/>
+                                </a:rPr>
+                                <m:t>𝑥</m:t>
+                              </m:r>
+                            </m:sup>
+                          </m:sSup>
+                          <m:r>
+                            <a:rPr lang="en-US" altLang="ko-KR" b="0" i="1" smtClean="0">
+                              <a:latin typeface="Cambria Math" panose="02040503050406030204" pitchFamily="18" charset="0"/>
+                            </a:rPr>
+                            <m:t>+9</m:t>
+                          </m:r>
+                        </m:den>
+                      </m:f>
+                    </m:oMath>
+                  </m:oMathPara>
+                </a14:m>
+                <a:endParaRPr lang="ko-KR" altLang="en-US" dirty="0"/>
+              </a:p>
+            </p:txBody>
+          </p:sp>
+        </mc:Choice>
+        <mc:Fallback>
+          <p:sp>
+            <p:nvSpPr>
+              <p:cNvPr id="9" name="TextBox 8">
+                <a:extLst>
+                  <a:ext uri="{FF2B5EF4-FFF2-40B4-BE49-F238E27FC236}">
+                    <a16:creationId xmlns:a16="http://schemas.microsoft.com/office/drawing/2014/main" id="{826A61C8-A07A-4D6F-9321-D20A1B2D071B}"/>
+                  </a:ext>
+                </a:extLst>
+              </p:cNvPr>
+              <p:cNvSpPr txBox="1">
+                <a:spLocks noRot="1" noChangeAspect="1" noMove="1" noResize="1" noEditPoints="1" noAdjustHandles="1" noChangeArrowheads="1" noChangeShapeType="1" noTextEdit="1"/>
+              </p:cNvSpPr>
+              <p:nvPr/>
+            </p:nvSpPr>
+            <p:spPr>
+              <a:xfrm>
+                <a:off x="4788024" y="2564904"/>
+                <a:ext cx="1896608" cy="630173"/>
+              </a:xfrm>
+              <a:prstGeom prst="rect">
+                <a:avLst/>
+              </a:prstGeom>
+              <a:blipFill>
+                <a:blip r:embed="rId3"/>
+                <a:stretch>
+                  <a:fillRect/>
+                </a:stretch>
+              </a:blipFill>
+              <a:ln>
+                <a:solidFill>
+                  <a:schemeClr val="tx1"/>
+                </a:solidFill>
+              </a:ln>
+            </p:spPr>
+            <p:txBody>
+              <a:bodyPr/>
+              <a:lstStyle/>
+              <a:p>
+                <a:r>
+                  <a:rPr lang="ko-KR" altLang="en-US">
+                    <a:noFill/>
+                  </a:rPr>
+                  <a:t> </a:t>
+                </a:r>
+              </a:p>
+            </p:txBody>
+          </p:sp>
+        </mc:Fallback>
+      </mc:AlternateContent>
+    </p:spTree>
+    <p:extLst>
+      <p:ext uri="{BB962C8B-B14F-4D97-AF65-F5344CB8AC3E}">
+        <p14:creationId xmlns:p14="http://schemas.microsoft.com/office/powerpoint/2010/main" val="2513583950"/>
+      </p:ext>
+    </p:extLst>
+  </p:cSld>
+  <p:clrMapOvr>
+    <a:masterClrMapping/>
+  </p:clrMapOvr>
+</p:sld>
+</file>
+
 <file path=ppt/theme/theme1.xml><?xml version="1.0" encoding="utf-8"?>
 <a:theme xmlns:a="http://schemas.openxmlformats.org/drawingml/2006/main" name="Office 테마">
   <a:themeElements>
